--- a/DocumentosPFC/PPTX DE APRESENTAÇÃO.pptx
+++ b/DocumentosPFC/PPTX DE APRESENTAÇÃO.pptx
@@ -109,6 +109,11 @@
       </a:defRPr>
     </a:lvl9pPr>
   </p:defaultTextStyle>
+  <p:extLst>
+    <p:ext uri="{EFAFB233-063F-42B5-8137-9DF3F51BA10A}">
+      <p15:sldGuideLst xmlns:p15="http://schemas.microsoft.com/office/powerpoint/2012/main"/>
+    </p:ext>
+  </p:extLst>
 </p:presentation>
 </file>
 
@@ -313,7 +318,7 @@
             <a:fld id="{64F0E216-BA48-4F04-AC4F-645AA0DD6AC6}" type="datetimeFigureOut">
               <a:rPr lang="en-US" smtClean="0"/>
               <a:pPr/>
-              <a:t>11/28/2021</a:t>
+              <a:t>11/30/2021</a:t>
             </a:fld>
             <a:endParaRPr lang="en-US" dirty="0"/>
           </a:p>
@@ -505,7 +510,7 @@
             <a:fld id="{64F0E216-BA48-4F04-AC4F-645AA0DD6AC6}" type="datetimeFigureOut">
               <a:rPr lang="en-US" smtClean="0"/>
               <a:pPr/>
-              <a:t>11/28/2021</a:t>
+              <a:t>11/30/2021</a:t>
             </a:fld>
             <a:endParaRPr lang="en-US" dirty="0"/>
           </a:p>
@@ -687,7 +692,7 @@
             <a:fld id="{64F0E216-BA48-4F04-AC4F-645AA0DD6AC6}" type="datetimeFigureOut">
               <a:rPr lang="en-US" smtClean="0"/>
               <a:pPr/>
-              <a:t>11/28/2021</a:t>
+              <a:t>11/30/2021</a:t>
             </a:fld>
             <a:endParaRPr lang="en-US" dirty="0"/>
           </a:p>
@@ -859,7 +864,7 @@
             <a:fld id="{64F0E216-BA48-4F04-AC4F-645AA0DD6AC6}" type="datetimeFigureOut">
               <a:rPr lang="en-US" smtClean="0"/>
               <a:pPr/>
-              <a:t>11/28/2021</a:t>
+              <a:t>11/30/2021</a:t>
             </a:fld>
             <a:endParaRPr lang="en-US" dirty="0"/>
           </a:p>
@@ -1117,7 +1122,7 @@
             <a:fld id="{64F0E216-BA48-4F04-AC4F-645AA0DD6AC6}" type="datetimeFigureOut">
               <a:rPr lang="en-US" smtClean="0"/>
               <a:pPr/>
-              <a:t>11/28/2021</a:t>
+              <a:t>11/30/2021</a:t>
             </a:fld>
             <a:endParaRPr lang="en-US" dirty="0"/>
           </a:p>
@@ -1407,7 +1412,7 @@
             <a:fld id="{64F0E216-BA48-4F04-AC4F-645AA0DD6AC6}" type="datetimeFigureOut">
               <a:rPr lang="en-US" smtClean="0"/>
               <a:pPr/>
-              <a:t>11/28/2021</a:t>
+              <a:t>11/30/2021</a:t>
             </a:fld>
             <a:endParaRPr lang="en-US" dirty="0"/>
           </a:p>
@@ -1847,7 +1852,7 @@
             <a:fld id="{64F0E216-BA48-4F04-AC4F-645AA0DD6AC6}" type="datetimeFigureOut">
               <a:rPr lang="en-US" smtClean="0"/>
               <a:pPr/>
-              <a:t>11/28/2021</a:t>
+              <a:t>11/30/2021</a:t>
             </a:fld>
             <a:endParaRPr lang="en-US" dirty="0"/>
           </a:p>
@@ -1967,7 +1972,7 @@
             <a:fld id="{64F0E216-BA48-4F04-AC4F-645AA0DD6AC6}" type="datetimeFigureOut">
               <a:rPr lang="en-US" smtClean="0"/>
               <a:pPr/>
-              <a:t>11/28/2021</a:t>
+              <a:t>11/30/2021</a:t>
             </a:fld>
             <a:endParaRPr lang="en-US" dirty="0"/>
           </a:p>
@@ -2064,7 +2069,7 @@
             <a:fld id="{64F0E216-BA48-4F04-AC4F-645AA0DD6AC6}" type="datetimeFigureOut">
               <a:rPr lang="en-US" smtClean="0"/>
               <a:pPr/>
-              <a:t>11/28/2021</a:t>
+              <a:t>11/30/2021</a:t>
             </a:fld>
             <a:endParaRPr lang="en-US" dirty="0"/>
           </a:p>
@@ -2422,7 +2427,7 @@
             <a:fld id="{64F0E216-BA48-4F04-AC4F-645AA0DD6AC6}" type="datetimeFigureOut">
               <a:rPr lang="en-US" smtClean="0"/>
               <a:pPr/>
-              <a:t>11/28/2021</a:t>
+              <a:t>11/30/2021</a:t>
             </a:fld>
             <a:endParaRPr lang="en-US" dirty="0"/>
           </a:p>
@@ -2740,7 +2745,7 @@
             <a:fld id="{64F0E216-BA48-4F04-AC4F-645AA0DD6AC6}" type="datetimeFigureOut">
               <a:rPr lang="en-US" smtClean="0"/>
               <a:pPr/>
-              <a:t>11/28/2021</a:t>
+              <a:t>11/30/2021</a:t>
             </a:fld>
             <a:endParaRPr lang="en-US" dirty="0"/>
           </a:p>
@@ -2975,7 +2980,7 @@
             <a:fld id="{64F0E216-BA48-4F04-AC4F-645AA0DD6AC6}" type="datetimeFigureOut">
               <a:rPr lang="en-US" smtClean="0"/>
               <a:pPr/>
-              <a:t>11/28/2021</a:t>
+              <a:t>11/30/2021</a:t>
             </a:fld>
             <a:endParaRPr lang="en-US" dirty="0"/>
           </a:p>
@@ -5668,6 +5673,35 @@
           </a:prstGeom>
         </p:spPr>
       </p:pic>
+      <p:pic>
+        <p:nvPicPr>
+          <p:cNvPr id="6" name="Imagem 5">
+            <a:extLst>
+              <a:ext uri="{FF2B5EF4-FFF2-40B4-BE49-F238E27FC236}">
+                <a16:creationId xmlns:a16="http://schemas.microsoft.com/office/drawing/2014/main" id="{C5811630-46C9-4A68-BD71-51F7C70BCB02}"/>
+              </a:ext>
+            </a:extLst>
+          </p:cNvPr>
+          <p:cNvPicPr>
+            <a:picLocks noChangeAspect="1"/>
+          </p:cNvPicPr>
+          <p:nvPr/>
+        </p:nvPicPr>
+        <p:blipFill rotWithShape="1">
+          <a:blip r:embed="rId3"/>
+          <a:srcRect l="30113" t="28646" r="6250" b="15804"/>
+          <a:stretch/>
+        </p:blipFill>
+        <p:spPr>
+          <a:xfrm>
+            <a:off x="1526041" y="1924335"/>
+            <a:ext cx="9035140" cy="4434132"/>
+          </a:xfrm>
+          <a:prstGeom prst="rect">
+            <a:avLst/>
+          </a:prstGeom>
+        </p:spPr>
+      </p:pic>
     </p:spTree>
     <p:extLst>
       <p:ext uri="{BB962C8B-B14F-4D97-AF65-F5344CB8AC3E}">

--- a/DocumentosPFC/PPTX DE APRESENTAÇÃO.pptx
+++ b/DocumentosPFC/PPTX DE APRESENTAÇÃO.pptx
@@ -4284,7 +4284,7 @@
                 </a:solidFill>
                 <a:latin typeface="Rockwell"/>
               </a:rPr>
-              <a:t>RF009 – Adicionar filme na lista de favoritos;</a:t>
+              <a:t>RF009 – Adicionar filme na lista;</a:t>
             </a:r>
           </a:p>
           <a:p>
@@ -4311,7 +4311,7 @@
                 </a:solidFill>
                 <a:latin typeface="Rockwell"/>
               </a:rPr>
-              <a:t>RF010 – Remover filmes da lista de favoritos;</a:t>
+              <a:t>RF010 – Remover filmes da lista;</a:t>
             </a:r>
           </a:p>
           <a:p>
